--- a/Presentation/BIOMI6300.pptx
+++ b/Presentation/BIOMI6300.pptx
@@ -5,22 +5,23 @@
     <p:sldMasterId id="2147483660" r:id="rId1"/>
   </p:sldMasterIdLst>
   <p:notesMasterIdLst>
-    <p:notesMasterId r:id="rId15"/>
+    <p:notesMasterId r:id="rId16"/>
   </p:notesMasterIdLst>
   <p:sldIdLst>
     <p:sldId id="256" r:id="rId2"/>
     <p:sldId id="257" r:id="rId3"/>
     <p:sldId id="259" r:id="rId4"/>
     <p:sldId id="260" r:id="rId5"/>
-    <p:sldId id="269" r:id="rId6"/>
-    <p:sldId id="262" r:id="rId7"/>
-    <p:sldId id="266" r:id="rId8"/>
-    <p:sldId id="265" r:id="rId9"/>
-    <p:sldId id="263" r:id="rId10"/>
-    <p:sldId id="270" r:id="rId11"/>
-    <p:sldId id="271" r:id="rId12"/>
-    <p:sldId id="261" r:id="rId13"/>
-    <p:sldId id="264" r:id="rId14"/>
+    <p:sldId id="272" r:id="rId6"/>
+    <p:sldId id="269" r:id="rId7"/>
+    <p:sldId id="262" r:id="rId8"/>
+    <p:sldId id="266" r:id="rId9"/>
+    <p:sldId id="265" r:id="rId10"/>
+    <p:sldId id="263" r:id="rId11"/>
+    <p:sldId id="270" r:id="rId12"/>
+    <p:sldId id="271" r:id="rId13"/>
+    <p:sldId id="261" r:id="rId14"/>
+    <p:sldId id="264" r:id="rId15"/>
   </p:sldIdLst>
   <p:sldSz cx="12192000" cy="6858000"/>
   <p:notesSz cx="6858000" cy="9144000"/>
@@ -119,6 +120,11 @@
       </a:defRPr>
     </a:lvl9pPr>
   </p:defaultTextStyle>
+  <p:extLst>
+    <p:ext uri="{EFAFB233-063F-42B5-8137-9DF3F51BA10A}">
+      <p15:sldGuideLst xmlns:p15="http://schemas.microsoft.com/office/powerpoint/2012/main"/>
+    </p:ext>
+  </p:extLst>
 </p:presentation>
 </file>
 
@@ -204,7 +210,7 @@
           <a:p>
             <a:fld id="{AF038107-0CB6-6A44-AE6A-C737BB7ACBB7}" type="datetimeFigureOut">
               <a:rPr lang="en-US" smtClean="0"/>
-              <a:t>4/30/24</a:t>
+              <a:t>5/1/24</a:t>
             </a:fld>
             <a:endParaRPr lang="en-US"/>
           </a:p>
@@ -620,7 +626,7 @@
           <a:p>
             <a:fld id="{3121AD97-7DEB-404A-86F3-382BDB41F23A}" type="slidenum">
               <a:rPr lang="en-US" smtClean="0"/>
-              <a:t>6</a:t>
+              <a:t>7</a:t>
             </a:fld>
             <a:endParaRPr lang="en-US"/>
           </a:p>
@@ -791,7 +797,7 @@
           <a:p>
             <a:fld id="{8C1E1FAD-7351-4908-963A-08EA8E4AB7A0}" type="datetimeFigureOut">
               <a:rPr lang="en-US" smtClean="0"/>
-              <a:t>4/30/24</a:t>
+              <a:t>5/1/24</a:t>
             </a:fld>
             <a:endParaRPr lang="en-US"/>
           </a:p>
@@ -989,7 +995,7 @@
           <a:p>
             <a:fld id="{8C1E1FAD-7351-4908-963A-08EA8E4AB7A0}" type="datetimeFigureOut">
               <a:rPr lang="en-US" smtClean="0"/>
-              <a:t>4/30/24</a:t>
+              <a:t>5/1/24</a:t>
             </a:fld>
             <a:endParaRPr lang="en-US"/>
           </a:p>
@@ -1197,7 +1203,7 @@
           <a:p>
             <a:fld id="{8C1E1FAD-7351-4908-963A-08EA8E4AB7A0}" type="datetimeFigureOut">
               <a:rPr lang="en-US" smtClean="0"/>
-              <a:t>4/30/24</a:t>
+              <a:t>5/1/24</a:t>
             </a:fld>
             <a:endParaRPr lang="en-US"/>
           </a:p>
@@ -1426,7 +1432,7 @@
           <a:p>
             <a:fld id="{8C1E1FAD-7351-4908-963A-08EA8E4AB7A0}" type="datetimeFigureOut">
               <a:rPr lang="en-US" smtClean="0"/>
-              <a:t>4/30/24</a:t>
+              <a:t>5/1/24</a:t>
             </a:fld>
             <a:endParaRPr lang="en-US"/>
           </a:p>
@@ -1703,7 +1709,7 @@
           <a:p>
             <a:fld id="{8C1E1FAD-7351-4908-963A-08EA8E4AB7A0}" type="datetimeFigureOut">
               <a:rPr lang="en-US" smtClean="0"/>
-              <a:t>4/30/24</a:t>
+              <a:t>5/1/24</a:t>
             </a:fld>
             <a:endParaRPr lang="en-US"/>
           </a:p>
@@ -1968,7 +1974,7 @@
           <a:p>
             <a:fld id="{8C1E1FAD-7351-4908-963A-08EA8E4AB7A0}" type="datetimeFigureOut">
               <a:rPr lang="en-US" smtClean="0"/>
-              <a:t>4/30/24</a:t>
+              <a:t>5/1/24</a:t>
             </a:fld>
             <a:endParaRPr lang="en-US"/>
           </a:p>
@@ -2384,7 +2390,7 @@
           <a:p>
             <a:fld id="{8C1E1FAD-7351-4908-963A-08EA8E4AB7A0}" type="datetimeFigureOut">
               <a:rPr lang="en-US" smtClean="0"/>
-              <a:t>4/30/24</a:t>
+              <a:t>5/1/24</a:t>
             </a:fld>
             <a:endParaRPr lang="en-US"/>
           </a:p>
@@ -2530,7 +2536,7 @@
           <a:p>
             <a:fld id="{8C1E1FAD-7351-4908-963A-08EA8E4AB7A0}" type="datetimeFigureOut">
               <a:rPr lang="en-US" smtClean="0"/>
-              <a:t>4/30/24</a:t>
+              <a:t>5/1/24</a:t>
             </a:fld>
             <a:endParaRPr lang="en-US"/>
           </a:p>
@@ -2643,7 +2649,7 @@
           <a:p>
             <a:fld id="{8C1E1FAD-7351-4908-963A-08EA8E4AB7A0}" type="datetimeFigureOut">
               <a:rPr lang="en-US" smtClean="0"/>
-              <a:t>4/30/24</a:t>
+              <a:t>5/1/24</a:t>
             </a:fld>
             <a:endParaRPr lang="en-US"/>
           </a:p>
@@ -2958,7 +2964,7 @@
           <a:p>
             <a:fld id="{8C1E1FAD-7351-4908-963A-08EA8E4AB7A0}" type="datetimeFigureOut">
               <a:rPr lang="en-US" smtClean="0"/>
-              <a:t>4/30/24</a:t>
+              <a:t>5/1/24</a:t>
             </a:fld>
             <a:endParaRPr lang="en-US"/>
           </a:p>
@@ -3251,7 +3257,7 @@
           <a:p>
             <a:fld id="{8C1E1FAD-7351-4908-963A-08EA8E4AB7A0}" type="datetimeFigureOut">
               <a:rPr lang="en-US" smtClean="0"/>
-              <a:t>4/30/24</a:t>
+              <a:t>5/1/24</a:t>
             </a:fld>
             <a:endParaRPr lang="en-US"/>
           </a:p>
@@ -3490,7 +3496,7 @@
           <a:p>
             <a:fld id="{8C1E1FAD-7351-4908-963A-08EA8E4AB7A0}" type="datetimeFigureOut">
               <a:rPr lang="en-US" smtClean="0"/>
-              <a:t>4/30/24</a:t>
+              <a:t>5/1/24</a:t>
             </a:fld>
             <a:endParaRPr lang="en-US"/>
           </a:p>
@@ -4801,15 +4807,7 @@
             </a:r>
             <a:r>
               <a:rPr lang="en-US" sz="2800" dirty="0" err="1"/>
-              <a:t>Candidatus</a:t>
-            </a:r>
-            <a:r>
-              <a:rPr lang="en-US" sz="2800" dirty="0"/>
-              <a:t> </a:t>
-            </a:r>
-            <a:r>
-              <a:rPr lang="en-US" sz="2800" dirty="0" err="1"/>
-              <a:t>Koribacter</a:t>
+              <a:t>Gemmatimonas</a:t>
             </a:r>
             <a:endParaRPr lang="en-US" sz="2800" dirty="0"/>
           </a:p>
@@ -4817,10 +4815,10 @@
       </p:sp>
       <p:pic>
         <p:nvPicPr>
-          <p:cNvPr id="3" name="Picture 2">
-            <a:extLst>
-              <a:ext uri="{FF2B5EF4-FFF2-40B4-BE49-F238E27FC236}">
-                <a16:creationId xmlns:a16="http://schemas.microsoft.com/office/drawing/2014/main" id="{F7AEB766-8E64-C768-9FCF-4E5B2E08C39D}"/>
+          <p:cNvPr id="6" name="Picture 5">
+            <a:extLst>
+              <a:ext uri="{FF2B5EF4-FFF2-40B4-BE49-F238E27FC236}">
+                <a16:creationId xmlns:a16="http://schemas.microsoft.com/office/drawing/2014/main" id="{D26B30A4-5788-E627-D135-F4EF93F1F00A}"/>
               </a:ext>
             </a:extLst>
           </p:cNvPr>
@@ -4837,8 +4835,8 @@
         </p:blipFill>
         <p:spPr>
           <a:xfrm>
-            <a:off x="170178" y="884921"/>
-            <a:ext cx="5849622" cy="5522370"/>
+            <a:off x="190500" y="1181101"/>
+            <a:ext cx="5771161" cy="5448299"/>
           </a:xfrm>
           <a:prstGeom prst="rect">
             <a:avLst/>
@@ -4847,10 +4845,10 @@
       </p:pic>
       <p:pic>
         <p:nvPicPr>
-          <p:cNvPr id="7" name="Picture 6">
-            <a:extLst>
-              <a:ext uri="{FF2B5EF4-FFF2-40B4-BE49-F238E27FC236}">
-                <a16:creationId xmlns:a16="http://schemas.microsoft.com/office/drawing/2014/main" id="{9CBF6173-C82E-9CFD-24E9-785F325E40D9}"/>
+          <p:cNvPr id="8" name="Picture 7">
+            <a:extLst>
+              <a:ext uri="{FF2B5EF4-FFF2-40B4-BE49-F238E27FC236}">
+                <a16:creationId xmlns:a16="http://schemas.microsoft.com/office/drawing/2014/main" id="{DB16172E-9848-4389-3504-4D02F071F218}"/>
               </a:ext>
             </a:extLst>
           </p:cNvPr>
@@ -4867,8 +4865,8 @@
         </p:blipFill>
         <p:spPr>
           <a:xfrm>
-            <a:off x="6134100" y="884921"/>
-            <a:ext cx="5849620" cy="5522369"/>
+            <a:off x="6174458" y="1181100"/>
+            <a:ext cx="5771162" cy="5448300"/>
           </a:xfrm>
           <a:prstGeom prst="rect">
             <a:avLst/>
@@ -4878,7 +4876,7 @@
     </p:spTree>
     <p:extLst>
       <p:ext uri="{BB962C8B-B14F-4D97-AF65-F5344CB8AC3E}">
-        <p14:creationId xmlns:p14="http://schemas.microsoft.com/office/powerpoint/2010/main" val="3187892300"/>
+        <p14:creationId xmlns:p14="http://schemas.microsoft.com/office/powerpoint/2010/main" val="2836304657"/>
       </p:ext>
     </p:extLst>
   </p:cSld>
@@ -4943,7 +4941,15 @@
             </a:r>
             <a:r>
               <a:rPr lang="en-US" sz="2800" dirty="0" err="1"/>
-              <a:t>Xanthobacteraceae</a:t>
+              <a:t>Candidatus</a:t>
+            </a:r>
+            <a:r>
+              <a:rPr lang="en-US" sz="2800" dirty="0"/>
+              <a:t> </a:t>
+            </a:r>
+            <a:r>
+              <a:rPr lang="en-US" sz="2800" dirty="0" err="1"/>
+              <a:t>Koribacter</a:t>
             </a:r>
             <a:endParaRPr lang="en-US" sz="2800" dirty="0"/>
           </a:p>
@@ -4951,10 +4957,10 @@
       </p:sp>
       <p:pic>
         <p:nvPicPr>
-          <p:cNvPr id="5" name="Picture 4">
-            <a:extLst>
-              <a:ext uri="{FF2B5EF4-FFF2-40B4-BE49-F238E27FC236}">
-                <a16:creationId xmlns:a16="http://schemas.microsoft.com/office/drawing/2014/main" id="{22AA2806-17B8-EA3F-C825-526B3E93BCD9}"/>
+          <p:cNvPr id="3" name="Picture 2">
+            <a:extLst>
+              <a:ext uri="{FF2B5EF4-FFF2-40B4-BE49-F238E27FC236}">
+                <a16:creationId xmlns:a16="http://schemas.microsoft.com/office/drawing/2014/main" id="{F7AEB766-8E64-C768-9FCF-4E5B2E08C39D}"/>
               </a:ext>
             </a:extLst>
           </p:cNvPr>
@@ -4971,8 +4977,8 @@
         </p:blipFill>
         <p:spPr>
           <a:xfrm>
-            <a:off x="152400" y="1155558"/>
-            <a:ext cx="5862755" cy="5534768"/>
+            <a:off x="170178" y="884921"/>
+            <a:ext cx="5849622" cy="5522370"/>
           </a:xfrm>
           <a:prstGeom prst="rect">
             <a:avLst/>
@@ -4981,10 +4987,10 @@
       </p:pic>
       <p:pic>
         <p:nvPicPr>
-          <p:cNvPr id="8" name="Picture 7">
-            <a:extLst>
-              <a:ext uri="{FF2B5EF4-FFF2-40B4-BE49-F238E27FC236}">
-                <a16:creationId xmlns:a16="http://schemas.microsoft.com/office/drawing/2014/main" id="{0118DE4A-A1DA-1039-12EE-9ACF9ED55DC5}"/>
+          <p:cNvPr id="7" name="Picture 6">
+            <a:extLst>
+              <a:ext uri="{FF2B5EF4-FFF2-40B4-BE49-F238E27FC236}">
+                <a16:creationId xmlns:a16="http://schemas.microsoft.com/office/drawing/2014/main" id="{9CBF6173-C82E-9CFD-24E9-785F325E40D9}"/>
               </a:ext>
             </a:extLst>
           </p:cNvPr>
@@ -5001,8 +5007,8 @@
         </p:blipFill>
         <p:spPr>
           <a:xfrm>
-            <a:off x="6172200" y="1155558"/>
-            <a:ext cx="5862754" cy="5534768"/>
+            <a:off x="6134100" y="884921"/>
+            <a:ext cx="5849620" cy="5522369"/>
           </a:xfrm>
           <a:prstGeom prst="rect">
             <a:avLst/>
@@ -5012,7 +5018,7 @@
     </p:spTree>
     <p:extLst>
       <p:ext uri="{BB962C8B-B14F-4D97-AF65-F5344CB8AC3E}">
-        <p14:creationId xmlns:p14="http://schemas.microsoft.com/office/powerpoint/2010/main" val="1649104493"/>
+        <p14:creationId xmlns:p14="http://schemas.microsoft.com/office/powerpoint/2010/main" val="3187892300"/>
       </p:ext>
     </p:extLst>
   </p:cSld>
@@ -5041,6 +5047,140 @@
       </p:grpSpPr>
       <p:sp>
         <p:nvSpPr>
+          <p:cNvPr id="4" name="Title 3">
+            <a:extLst>
+              <a:ext uri="{FF2B5EF4-FFF2-40B4-BE49-F238E27FC236}">
+                <a16:creationId xmlns:a16="http://schemas.microsoft.com/office/drawing/2014/main" id="{56FEAD84-9879-991D-30BD-685B9151ECBB}"/>
+              </a:ext>
+            </a:extLst>
+          </p:cNvPr>
+          <p:cNvSpPr txBox="1">
+            <a:spLocks noGrp="1"/>
+          </p:cNvSpPr>
+          <p:nvPr>
+            <p:ph type="title"/>
+          </p:nvPr>
+        </p:nvSpPr>
+        <p:spPr>
+          <a:xfrm>
+            <a:off x="284480" y="145908"/>
+            <a:ext cx="12050485" cy="562718"/>
+          </a:xfrm>
+          <a:prstGeom prst="rect">
+            <a:avLst/>
+          </a:prstGeom>
+          <a:noFill/>
+        </p:spPr>
+        <p:txBody>
+          <a:bodyPr wrap="square">
+            <a:spAutoFit/>
+          </a:bodyPr>
+          <a:lstStyle/>
+          <a:p>
+            <a:r>
+              <a:rPr lang="en-US" sz="2800" dirty="0"/>
+              <a:t>Keystone taxa day 75 : </a:t>
+            </a:r>
+            <a:r>
+              <a:rPr lang="en-US" sz="2800" dirty="0" err="1"/>
+              <a:t>Xanthobacteraceae</a:t>
+            </a:r>
+            <a:endParaRPr lang="en-US" sz="2800" dirty="0"/>
+          </a:p>
+        </p:txBody>
+      </p:sp>
+      <p:pic>
+        <p:nvPicPr>
+          <p:cNvPr id="5" name="Picture 4">
+            <a:extLst>
+              <a:ext uri="{FF2B5EF4-FFF2-40B4-BE49-F238E27FC236}">
+                <a16:creationId xmlns:a16="http://schemas.microsoft.com/office/drawing/2014/main" id="{22AA2806-17B8-EA3F-C825-526B3E93BCD9}"/>
+              </a:ext>
+            </a:extLst>
+          </p:cNvPr>
+          <p:cNvPicPr>
+            <a:picLocks noChangeAspect="1"/>
+          </p:cNvPicPr>
+          <p:nvPr/>
+        </p:nvPicPr>
+        <p:blipFill>
+          <a:blip r:embed="rId2"/>
+          <a:stretch>
+            <a:fillRect/>
+          </a:stretch>
+        </p:blipFill>
+        <p:spPr>
+          <a:xfrm>
+            <a:off x="152400" y="1155558"/>
+            <a:ext cx="5862755" cy="5534768"/>
+          </a:xfrm>
+          <a:prstGeom prst="rect">
+            <a:avLst/>
+          </a:prstGeom>
+        </p:spPr>
+      </p:pic>
+      <p:pic>
+        <p:nvPicPr>
+          <p:cNvPr id="8" name="Picture 7">
+            <a:extLst>
+              <a:ext uri="{FF2B5EF4-FFF2-40B4-BE49-F238E27FC236}">
+                <a16:creationId xmlns:a16="http://schemas.microsoft.com/office/drawing/2014/main" id="{0118DE4A-A1DA-1039-12EE-9ACF9ED55DC5}"/>
+              </a:ext>
+            </a:extLst>
+          </p:cNvPr>
+          <p:cNvPicPr>
+            <a:picLocks noChangeAspect="1"/>
+          </p:cNvPicPr>
+          <p:nvPr/>
+        </p:nvPicPr>
+        <p:blipFill>
+          <a:blip r:embed="rId3"/>
+          <a:stretch>
+            <a:fillRect/>
+          </a:stretch>
+        </p:blipFill>
+        <p:spPr>
+          <a:xfrm>
+            <a:off x="6172200" y="1155558"/>
+            <a:ext cx="5862754" cy="5534768"/>
+          </a:xfrm>
+          <a:prstGeom prst="rect">
+            <a:avLst/>
+          </a:prstGeom>
+        </p:spPr>
+      </p:pic>
+    </p:spTree>
+    <p:extLst>
+      <p:ext uri="{BB962C8B-B14F-4D97-AF65-F5344CB8AC3E}">
+        <p14:creationId xmlns:p14="http://schemas.microsoft.com/office/powerpoint/2010/main" val="1649104493"/>
+      </p:ext>
+    </p:extLst>
+  </p:cSld>
+  <p:clrMapOvr>
+    <a:masterClrMapping/>
+  </p:clrMapOvr>
+</p:sld>
+</file>
+
+<file path=ppt/slides/slide13.xml><?xml version="1.0" encoding="utf-8"?>
+<p:sld xmlns:a="http://schemas.openxmlformats.org/drawingml/2006/main" xmlns:r="http://schemas.openxmlformats.org/officeDocument/2006/relationships" xmlns:p="http://schemas.openxmlformats.org/presentationml/2006/main">
+  <p:cSld>
+    <p:spTree>
+      <p:nvGrpSpPr>
+        <p:cNvPr id="1" name=""/>
+        <p:cNvGrpSpPr/>
+        <p:nvPr/>
+      </p:nvGrpSpPr>
+      <p:grpSpPr>
+        <a:xfrm>
+          <a:off x="0" y="0"/>
+          <a:ext cx="0" cy="0"/>
+          <a:chOff x="0" y="0"/>
+          <a:chExt cx="0" cy="0"/>
+        </a:xfrm>
+      </p:grpSpPr>
+      <p:sp>
+        <p:nvSpPr>
           <p:cNvPr id="2" name="Title 1">
             <a:extLst>
               <a:ext uri="{FF2B5EF4-FFF2-40B4-BE49-F238E27FC236}">
@@ -5100,7 +5240,7 @@
           <a:p>
             <a:r>
               <a:rPr lang="en-US" sz="2400" dirty="0"/>
-              <a:t>Cui et al Sequences trimmed with </a:t>
+              <a:t>Cui et al. Sequences trimmed with </a:t>
             </a:r>
             <a:r>
               <a:rPr lang="en-US" sz="2400" dirty="0" err="1"/>
@@ -5166,7 +5306,7 @@
 </p:sld>
 </file>
 
-<file path=ppt/slides/slide13.xml><?xml version="1.0" encoding="utf-8"?>
+<file path=ppt/slides/slide14.xml><?xml version="1.0" encoding="utf-8"?>
 <p:sld xmlns:a="http://schemas.openxmlformats.org/drawingml/2006/main" xmlns:r="http://schemas.openxmlformats.org/officeDocument/2006/relationships" xmlns:p="http://schemas.openxmlformats.org/presentationml/2006/main">
   <p:cSld>
     <p:spTree>
@@ -6466,9 +6606,9 @@
           <a:stretch/>
         </p:blipFill>
         <p:spPr>
-          <a:xfrm rot="21420407">
-            <a:off x="743818" y="951452"/>
-            <a:ext cx="6268150" cy="4250961"/>
+          <a:xfrm rot="21439952">
+            <a:off x="682238" y="876574"/>
+            <a:ext cx="6391311" cy="4334487"/>
           </a:xfrm>
           <a:prstGeom prst="rect">
             <a:avLst/>
@@ -7419,7 +7559,7 @@
           <p:cNvPr id="2" name="Title 1">
             <a:extLst>
               <a:ext uri="{FF2B5EF4-FFF2-40B4-BE49-F238E27FC236}">
-                <a16:creationId xmlns:a16="http://schemas.microsoft.com/office/drawing/2014/main" id="{AAD59FDB-1839-900B-9650-F4815F399E30}"/>
+                <a16:creationId xmlns:a16="http://schemas.microsoft.com/office/drawing/2014/main" id="{5FC0D469-7B68-49FD-C8F8-18DF150D1A4A}"/>
               </a:ext>
             </a:extLst>
           </p:cNvPr>
@@ -7430,96 +7570,82 @@
             <p:ph type="title"/>
           </p:nvPr>
         </p:nvSpPr>
+        <p:spPr/>
+        <p:txBody>
+          <a:bodyPr/>
+          <a:lstStyle/>
+          <a:p>
+            <a:r>
+              <a:rPr lang="en-US" dirty="0"/>
+              <a:t>N Addition Level Less Influential than Plant Presence</a:t>
+            </a:r>
+          </a:p>
+        </p:txBody>
+      </p:sp>
+      <p:pic>
+        <p:nvPicPr>
+          <p:cNvPr id="6" name="Picture 5">
+            <a:extLst>
+              <a:ext uri="{FF2B5EF4-FFF2-40B4-BE49-F238E27FC236}">
+                <a16:creationId xmlns:a16="http://schemas.microsoft.com/office/drawing/2014/main" id="{73F80497-E269-EFD8-3D60-F9F72F15DC5C}"/>
+              </a:ext>
+            </a:extLst>
+          </p:cNvPr>
+          <p:cNvPicPr>
+            <a:picLocks noChangeAspect="1"/>
+          </p:cNvPicPr>
+          <p:nvPr/>
+        </p:nvPicPr>
+        <p:blipFill>
+          <a:blip r:embed="rId2"/>
+          <a:stretch>
+            <a:fillRect/>
+          </a:stretch>
+        </p:blipFill>
         <p:spPr>
           <a:xfrm>
-            <a:off x="628650" y="-26988"/>
-            <a:ext cx="9493249" cy="1577975"/>
-          </a:xfrm>
-        </p:spPr>
-        <p:txBody>
-          <a:bodyPr/>
-          <a:lstStyle/>
-          <a:p>
-            <a:r>
-              <a:rPr lang="en-US" dirty="0"/>
-              <a:t>Keystone Taxa</a:t>
-            </a:r>
-          </a:p>
-        </p:txBody>
-      </p:sp>
-      <p:sp>
-        <p:nvSpPr>
-          <p:cNvPr id="3" name="Content Placeholder 2">
-            <a:extLst>
-              <a:ext uri="{FF2B5EF4-FFF2-40B4-BE49-F238E27FC236}">
-                <a16:creationId xmlns:a16="http://schemas.microsoft.com/office/drawing/2014/main" id="{8CCAC20E-8D83-5ED0-E2FE-AF36005B2EB1}"/>
-              </a:ext>
-            </a:extLst>
-          </p:cNvPr>
-          <p:cNvSpPr>
-            <a:spLocks noGrp="1"/>
-          </p:cNvSpPr>
-          <p:nvPr>
-            <p:ph idx="1"/>
-          </p:nvPr>
-        </p:nvSpPr>
+            <a:off x="1219200" y="2101348"/>
+            <a:ext cx="4819531" cy="4549907"/>
+          </a:xfrm>
+          <a:prstGeom prst="rect">
+            <a:avLst/>
+          </a:prstGeom>
+        </p:spPr>
+      </p:pic>
+      <p:pic>
+        <p:nvPicPr>
+          <p:cNvPr id="8" name="Picture 7">
+            <a:extLst>
+              <a:ext uri="{FF2B5EF4-FFF2-40B4-BE49-F238E27FC236}">
+                <a16:creationId xmlns:a16="http://schemas.microsoft.com/office/drawing/2014/main" id="{EA7ADA3F-67F8-0EB9-7635-732052FDA709}"/>
+              </a:ext>
+            </a:extLst>
+          </p:cNvPr>
+          <p:cNvPicPr>
+            <a:picLocks noChangeAspect="1"/>
+          </p:cNvPicPr>
+          <p:nvPr/>
+        </p:nvPicPr>
+        <p:blipFill>
+          <a:blip r:embed="rId3"/>
+          <a:stretch>
+            <a:fillRect/>
+          </a:stretch>
+        </p:blipFill>
         <p:spPr>
           <a:xfrm>
-            <a:off x="628650" y="2036762"/>
-            <a:ext cx="10934700" cy="3573463"/>
-          </a:xfrm>
-        </p:spPr>
-        <p:txBody>
-          <a:bodyPr>
-            <a:normAutofit/>
-          </a:bodyPr>
-          <a:lstStyle/>
-          <a:p>
-            <a:r>
-              <a:rPr lang="en-US" sz="2400" dirty="0"/>
-              <a:t>Do not need to be highly abundant</a:t>
-            </a:r>
-          </a:p>
-          <a:p>
-            <a:r>
-              <a:rPr lang="en-US" sz="2400" dirty="0"/>
-              <a:t>Co-occurrence patterns used to construct microbial networks</a:t>
-            </a:r>
-          </a:p>
-          <a:p>
-            <a:pPr lvl="2"/>
-            <a:r>
-              <a:rPr lang="en-US" sz="2400" dirty="0"/>
-              <a:t>Gene significance</a:t>
-            </a:r>
-          </a:p>
-          <a:p>
-            <a:pPr lvl="4"/>
-            <a:r>
-              <a:rPr lang="en-US" sz="2200" dirty="0"/>
-              <a:t>ASVs correlating to environmental traits</a:t>
-            </a:r>
-          </a:p>
-          <a:p>
-            <a:pPr lvl="2"/>
-            <a:r>
-              <a:rPr lang="en-US" sz="2400" dirty="0"/>
-              <a:t>Module membership</a:t>
-            </a:r>
-          </a:p>
-          <a:p>
-            <a:pPr lvl="4"/>
-            <a:r>
-              <a:rPr lang="en-US" sz="2200" dirty="0"/>
-              <a:t>gene-to-module associations</a:t>
-            </a:r>
-          </a:p>
-        </p:txBody>
-      </p:sp>
+            <a:off x="6681906" y="2101348"/>
+            <a:ext cx="4819533" cy="4549908"/>
+          </a:xfrm>
+          <a:prstGeom prst="rect">
+            <a:avLst/>
+          </a:prstGeom>
+        </p:spPr>
+      </p:pic>
     </p:spTree>
     <p:extLst>
       <p:ext uri="{BB962C8B-B14F-4D97-AF65-F5344CB8AC3E}">
-        <p14:creationId xmlns:p14="http://schemas.microsoft.com/office/powerpoint/2010/main" val="2388056027"/>
+        <p14:creationId xmlns:p14="http://schemas.microsoft.com/office/powerpoint/2010/main" val="2519462804"/>
       </p:ext>
     </p:extLst>
   </p:cSld>
@@ -7551,7 +7677,7 @@
           <p:cNvPr id="2" name="Title 1">
             <a:extLst>
               <a:ext uri="{FF2B5EF4-FFF2-40B4-BE49-F238E27FC236}">
-                <a16:creationId xmlns:a16="http://schemas.microsoft.com/office/drawing/2014/main" id="{7CFD45CB-D45F-F0A7-41A9-BDA99707F50C}"/>
+                <a16:creationId xmlns:a16="http://schemas.microsoft.com/office/drawing/2014/main" id="{AAD59FDB-1839-900B-9650-F4815F399E30}"/>
               </a:ext>
             </a:extLst>
           </p:cNvPr>
@@ -7564,8 +7690,41 @@
         </p:nvSpPr>
         <p:spPr>
           <a:xfrm>
-            <a:off x="0" y="-232501"/>
-            <a:ext cx="12191999" cy="1577975"/>
+            <a:off x="628650" y="-26988"/>
+            <a:ext cx="9493249" cy="1577975"/>
+          </a:xfrm>
+        </p:spPr>
+        <p:txBody>
+          <a:bodyPr/>
+          <a:lstStyle/>
+          <a:p>
+            <a:r>
+              <a:rPr lang="en-US" dirty="0"/>
+              <a:t>Keystone Taxa</a:t>
+            </a:r>
+          </a:p>
+        </p:txBody>
+      </p:sp>
+      <p:sp>
+        <p:nvSpPr>
+          <p:cNvPr id="3" name="Content Placeholder 2">
+            <a:extLst>
+              <a:ext uri="{FF2B5EF4-FFF2-40B4-BE49-F238E27FC236}">
+                <a16:creationId xmlns:a16="http://schemas.microsoft.com/office/drawing/2014/main" id="{8CCAC20E-8D83-5ED0-E2FE-AF36005B2EB1}"/>
+              </a:ext>
+            </a:extLst>
+          </p:cNvPr>
+          <p:cNvSpPr>
+            <a:spLocks noGrp="1"/>
+          </p:cNvSpPr>
+          <p:nvPr>
+            <p:ph idx="1"/>
+          </p:nvPr>
+        </p:nvSpPr>
+        <p:spPr>
+          <a:xfrm>
+            <a:off x="628650" y="2036762"/>
+            <a:ext cx="10934700" cy="3573463"/>
           </a:xfrm>
         </p:spPr>
         <p:txBody>
@@ -7575,80 +7734,50 @@
           <a:lstStyle/>
           <a:p>
             <a:r>
-              <a:rPr lang="en-US" sz="2700" dirty="0"/>
-              <a:t>Keystone taxa day 30: Caulobacteraceae</a:t>
-            </a:r>
-            <a:br>
-              <a:rPr lang="en-US" sz="4000" dirty="0"/>
-            </a:br>
-            <a:endParaRPr lang="en-US" dirty="0"/>
-          </a:p>
-        </p:txBody>
-      </p:sp>
-      <p:pic>
-        <p:nvPicPr>
-          <p:cNvPr id="17" name="Picture 16">
-            <a:extLst>
-              <a:ext uri="{FF2B5EF4-FFF2-40B4-BE49-F238E27FC236}">
-                <a16:creationId xmlns:a16="http://schemas.microsoft.com/office/drawing/2014/main" id="{FD8ABB8D-62E1-D8A9-D987-99175F7A042C}"/>
-              </a:ext>
-            </a:extLst>
-          </p:cNvPr>
-          <p:cNvPicPr>
-            <a:picLocks noChangeAspect="1"/>
-          </p:cNvPicPr>
-          <p:nvPr/>
-        </p:nvPicPr>
-        <p:blipFill>
-          <a:blip r:embed="rId3"/>
-          <a:stretch>
-            <a:fillRect/>
-          </a:stretch>
-        </p:blipFill>
-        <p:spPr>
-          <a:xfrm>
-            <a:off x="6118990" y="969146"/>
-            <a:ext cx="5839194" cy="5512526"/>
-          </a:xfrm>
-          <a:prstGeom prst="rect">
-            <a:avLst/>
-          </a:prstGeom>
-        </p:spPr>
-      </p:pic>
-      <p:pic>
-        <p:nvPicPr>
-          <p:cNvPr id="19" name="Picture 18">
-            <a:extLst>
-              <a:ext uri="{FF2B5EF4-FFF2-40B4-BE49-F238E27FC236}">
-                <a16:creationId xmlns:a16="http://schemas.microsoft.com/office/drawing/2014/main" id="{8EAB307C-2F14-07F7-0E3C-427E5C2F93AA}"/>
-              </a:ext>
-            </a:extLst>
-          </p:cNvPr>
-          <p:cNvPicPr>
-            <a:picLocks noChangeAspect="1"/>
-          </p:cNvPicPr>
-          <p:nvPr/>
-        </p:nvPicPr>
-        <p:blipFill>
-          <a:blip r:embed="rId4"/>
-          <a:stretch>
-            <a:fillRect/>
-          </a:stretch>
-        </p:blipFill>
-        <p:spPr>
-          <a:xfrm>
-            <a:off x="139898" y="969146"/>
-            <a:ext cx="5839194" cy="5512526"/>
-          </a:xfrm>
-          <a:prstGeom prst="rect">
-            <a:avLst/>
-          </a:prstGeom>
-        </p:spPr>
-      </p:pic>
+              <a:rPr lang="en-US" sz="2400" dirty="0"/>
+              <a:t>Do not need to be highly abundant</a:t>
+            </a:r>
+          </a:p>
+          <a:p>
+            <a:r>
+              <a:rPr lang="en-US" sz="2400" dirty="0"/>
+              <a:t>Co-occurrence patterns used to construct microbial networks</a:t>
+            </a:r>
+          </a:p>
+          <a:p>
+            <a:pPr lvl="2"/>
+            <a:r>
+              <a:rPr lang="en-US" sz="2400" dirty="0"/>
+              <a:t>Gene significance</a:t>
+            </a:r>
+          </a:p>
+          <a:p>
+            <a:pPr lvl="4"/>
+            <a:r>
+              <a:rPr lang="en-US" sz="2200" dirty="0"/>
+              <a:t>ASVs correlating to environmental traits</a:t>
+            </a:r>
+          </a:p>
+          <a:p>
+            <a:pPr lvl="2"/>
+            <a:r>
+              <a:rPr lang="en-US" sz="2400" dirty="0"/>
+              <a:t>Module membership</a:t>
+            </a:r>
+          </a:p>
+          <a:p>
+            <a:pPr lvl="4"/>
+            <a:r>
+              <a:rPr lang="en-US" sz="2200" dirty="0"/>
+              <a:t>gene-to-module associations</a:t>
+            </a:r>
+          </a:p>
+        </p:txBody>
+      </p:sp>
     </p:spTree>
     <p:extLst>
       <p:ext uri="{BB962C8B-B14F-4D97-AF65-F5344CB8AC3E}">
-        <p14:creationId xmlns:p14="http://schemas.microsoft.com/office/powerpoint/2010/main" val="1078535676"/>
+        <p14:creationId xmlns:p14="http://schemas.microsoft.com/office/powerpoint/2010/main" val="2388056027"/>
       </p:ext>
     </p:extLst>
   </p:cSld>
@@ -7705,7 +7834,7 @@
           <a:p>
             <a:r>
               <a:rPr lang="en-US" sz="2700" dirty="0"/>
-              <a:t>Keystone taxa day 30: Bacillus</a:t>
+              <a:t>Keystone taxa day 30: Caulobacteraceae</a:t>
             </a:r>
             <a:br>
               <a:rPr lang="en-US" sz="4000" dirty="0"/>
@@ -7716,40 +7845,10 @@
       </p:sp>
       <p:pic>
         <p:nvPicPr>
-          <p:cNvPr id="6" name="Picture 5">
-            <a:extLst>
-              <a:ext uri="{FF2B5EF4-FFF2-40B4-BE49-F238E27FC236}">
-                <a16:creationId xmlns:a16="http://schemas.microsoft.com/office/drawing/2014/main" id="{DCBA663A-B24F-3233-A828-3AECF93C484D}"/>
-              </a:ext>
-            </a:extLst>
-          </p:cNvPr>
-          <p:cNvPicPr>
-            <a:picLocks noChangeAspect="1"/>
-          </p:cNvPicPr>
-          <p:nvPr/>
-        </p:nvPicPr>
-        <p:blipFill>
-          <a:blip r:embed="rId2"/>
-          <a:stretch>
-            <a:fillRect/>
-          </a:stretch>
-        </p:blipFill>
-        <p:spPr>
-          <a:xfrm>
-            <a:off x="6180303" y="1097824"/>
-            <a:ext cx="5839195" cy="5512526"/>
-          </a:xfrm>
-          <a:prstGeom prst="rect">
-            <a:avLst/>
-          </a:prstGeom>
-        </p:spPr>
-      </p:pic>
-      <p:pic>
-        <p:nvPicPr>
-          <p:cNvPr id="8" name="Picture 7">
-            <a:extLst>
-              <a:ext uri="{FF2B5EF4-FFF2-40B4-BE49-F238E27FC236}">
-                <a16:creationId xmlns:a16="http://schemas.microsoft.com/office/drawing/2014/main" id="{7C53BC1D-7B68-CBB6-ECA9-1C326D3C5FD9}"/>
+          <p:cNvPr id="17" name="Picture 16">
+            <a:extLst>
+              <a:ext uri="{FF2B5EF4-FFF2-40B4-BE49-F238E27FC236}">
+                <a16:creationId xmlns:a16="http://schemas.microsoft.com/office/drawing/2014/main" id="{FD8ABB8D-62E1-D8A9-D987-99175F7A042C}"/>
               </a:ext>
             </a:extLst>
           </p:cNvPr>
@@ -7766,7 +7865,37 @@
         </p:blipFill>
         <p:spPr>
           <a:xfrm>
-            <a:off x="168608" y="1097824"/>
+            <a:off x="6118990" y="969146"/>
+            <a:ext cx="5839194" cy="5512526"/>
+          </a:xfrm>
+          <a:prstGeom prst="rect">
+            <a:avLst/>
+          </a:prstGeom>
+        </p:spPr>
+      </p:pic>
+      <p:pic>
+        <p:nvPicPr>
+          <p:cNvPr id="19" name="Picture 18">
+            <a:extLst>
+              <a:ext uri="{FF2B5EF4-FFF2-40B4-BE49-F238E27FC236}">
+                <a16:creationId xmlns:a16="http://schemas.microsoft.com/office/drawing/2014/main" id="{8EAB307C-2F14-07F7-0E3C-427E5C2F93AA}"/>
+              </a:ext>
+            </a:extLst>
+          </p:cNvPr>
+          <p:cNvPicPr>
+            <a:picLocks noChangeAspect="1"/>
+          </p:cNvPicPr>
+          <p:nvPr/>
+        </p:nvPicPr>
+        <p:blipFill>
+          <a:blip r:embed="rId4"/>
+          <a:stretch>
+            <a:fillRect/>
+          </a:stretch>
+        </p:blipFill>
+        <p:spPr>
+          <a:xfrm>
+            <a:off x="139898" y="969146"/>
             <a:ext cx="5839194" cy="5512526"/>
           </a:xfrm>
           <a:prstGeom prst="rect">
@@ -7777,7 +7906,7 @@
     </p:spTree>
     <p:extLst>
       <p:ext uri="{BB962C8B-B14F-4D97-AF65-F5344CB8AC3E}">
-        <p14:creationId xmlns:p14="http://schemas.microsoft.com/office/powerpoint/2010/main" val="1911740238"/>
+        <p14:creationId xmlns:p14="http://schemas.microsoft.com/office/powerpoint/2010/main" val="1078535676"/>
       </p:ext>
     </p:extLst>
   </p:cSld>
@@ -7834,11 +7963,7 @@
           <a:p>
             <a:r>
               <a:rPr lang="en-US" sz="2700" dirty="0"/>
-              <a:t>Keystone taxa day 30: </a:t>
-            </a:r>
-            <a:r>
-              <a:rPr lang="en-US" sz="2700" dirty="0" err="1"/>
-              <a:t>Chitinophagaceae</a:t>
+              <a:t>Keystone taxa day 30: Bacillus</a:t>
             </a:r>
             <a:br>
               <a:rPr lang="en-US" sz="4000" dirty="0"/>
@@ -7849,10 +7974,10 @@
       </p:sp>
       <p:pic>
         <p:nvPicPr>
-          <p:cNvPr id="8" name="Picture 7">
-            <a:extLst>
-              <a:ext uri="{FF2B5EF4-FFF2-40B4-BE49-F238E27FC236}">
-                <a16:creationId xmlns:a16="http://schemas.microsoft.com/office/drawing/2014/main" id="{3B5EC1F9-E73F-EC03-D3A5-0973B1235E17}"/>
+          <p:cNvPr id="6" name="Picture 5">
+            <a:extLst>
+              <a:ext uri="{FF2B5EF4-FFF2-40B4-BE49-F238E27FC236}">
+                <a16:creationId xmlns:a16="http://schemas.microsoft.com/office/drawing/2014/main" id="{DCBA663A-B24F-3233-A828-3AECF93C484D}"/>
               </a:ext>
             </a:extLst>
           </p:cNvPr>
@@ -7869,8 +7994,8 @@
         </p:blipFill>
         <p:spPr>
           <a:xfrm>
-            <a:off x="169914" y="990600"/>
-            <a:ext cx="5756172" cy="5434148"/>
+            <a:off x="6180303" y="1097824"/>
+            <a:ext cx="5839195" cy="5512526"/>
           </a:xfrm>
           <a:prstGeom prst="rect">
             <a:avLst/>
@@ -7879,10 +8004,10 @@
       </p:pic>
       <p:pic>
         <p:nvPicPr>
-          <p:cNvPr id="10" name="Picture 9">
-            <a:extLst>
-              <a:ext uri="{FF2B5EF4-FFF2-40B4-BE49-F238E27FC236}">
-                <a16:creationId xmlns:a16="http://schemas.microsoft.com/office/drawing/2014/main" id="{14B702DA-E2A4-42BC-3024-7B55FEB3C991}"/>
+          <p:cNvPr id="8" name="Picture 7">
+            <a:extLst>
+              <a:ext uri="{FF2B5EF4-FFF2-40B4-BE49-F238E27FC236}">
+                <a16:creationId xmlns:a16="http://schemas.microsoft.com/office/drawing/2014/main" id="{7C53BC1D-7B68-CBB6-ECA9-1C326D3C5FD9}"/>
               </a:ext>
             </a:extLst>
           </p:cNvPr>
@@ -7899,8 +8024,8 @@
         </p:blipFill>
         <p:spPr>
           <a:xfrm>
-            <a:off x="6096000" y="990600"/>
-            <a:ext cx="5756172" cy="5434148"/>
+            <a:off x="168608" y="1097824"/>
+            <a:ext cx="5839194" cy="5512526"/>
           </a:xfrm>
           <a:prstGeom prst="rect">
             <a:avLst/>
@@ -7910,7 +8035,7 @@
     </p:spTree>
     <p:extLst>
       <p:ext uri="{BB962C8B-B14F-4D97-AF65-F5344CB8AC3E}">
-        <p14:creationId xmlns:p14="http://schemas.microsoft.com/office/powerpoint/2010/main" val="2419509016"/>
+        <p14:creationId xmlns:p14="http://schemas.microsoft.com/office/powerpoint/2010/main" val="1911740238"/>
       </p:ext>
     </p:extLst>
   </p:cSld>
@@ -7939,14 +8064,14 @@
       </p:grpSpPr>
       <p:sp>
         <p:nvSpPr>
-          <p:cNvPr id="4" name="Title 3">
-            <a:extLst>
-              <a:ext uri="{FF2B5EF4-FFF2-40B4-BE49-F238E27FC236}">
-                <a16:creationId xmlns:a16="http://schemas.microsoft.com/office/drawing/2014/main" id="{56FEAD84-9879-991D-30BD-685B9151ECBB}"/>
-              </a:ext>
-            </a:extLst>
-          </p:cNvPr>
-          <p:cNvSpPr txBox="1">
+          <p:cNvPr id="2" name="Title 1">
+            <a:extLst>
+              <a:ext uri="{FF2B5EF4-FFF2-40B4-BE49-F238E27FC236}">
+                <a16:creationId xmlns:a16="http://schemas.microsoft.com/office/drawing/2014/main" id="{7CFD45CB-D45F-F0A7-41A9-BDA99707F50C}"/>
+              </a:ext>
+            </a:extLst>
+          </p:cNvPr>
+          <p:cNvSpPr>
             <a:spLocks noGrp="1"/>
           </p:cNvSpPr>
           <p:nvPr>
@@ -7955,38 +8080,37 @@
         </p:nvSpPr>
         <p:spPr>
           <a:xfrm>
-            <a:off x="284480" y="145908"/>
-            <a:ext cx="12050485" cy="562718"/>
-          </a:xfrm>
-          <a:prstGeom prst="rect">
-            <a:avLst/>
-          </a:prstGeom>
-          <a:noFill/>
-        </p:spPr>
-        <p:txBody>
-          <a:bodyPr wrap="square">
-            <a:spAutoFit/>
+            <a:off x="0" y="-232501"/>
+            <a:ext cx="12191999" cy="1577975"/>
+          </a:xfrm>
+        </p:spPr>
+        <p:txBody>
+          <a:bodyPr>
+            <a:normAutofit/>
           </a:bodyPr>
           <a:lstStyle/>
           <a:p>
             <a:r>
-              <a:rPr lang="en-US" sz="2800" dirty="0"/>
-              <a:t>Keystone taxa day 75 : </a:t>
-            </a:r>
-            <a:r>
-              <a:rPr lang="en-US" sz="2800" dirty="0" err="1"/>
-              <a:t>Gemmatimonas</a:t>
-            </a:r>
-            <a:endParaRPr lang="en-US" sz="2800" dirty="0"/>
+              <a:rPr lang="en-US" sz="2700" dirty="0"/>
+              <a:t>Keystone taxa day 30: </a:t>
+            </a:r>
+            <a:r>
+              <a:rPr lang="en-US" sz="2700" dirty="0" err="1"/>
+              <a:t>Chitinophagaceae</a:t>
+            </a:r>
+            <a:br>
+              <a:rPr lang="en-US" sz="4000" dirty="0"/>
+            </a:br>
+            <a:endParaRPr lang="en-US" dirty="0"/>
           </a:p>
         </p:txBody>
       </p:sp>
       <p:pic>
         <p:nvPicPr>
-          <p:cNvPr id="6" name="Picture 5">
-            <a:extLst>
-              <a:ext uri="{FF2B5EF4-FFF2-40B4-BE49-F238E27FC236}">
-                <a16:creationId xmlns:a16="http://schemas.microsoft.com/office/drawing/2014/main" id="{D26B30A4-5788-E627-D135-F4EF93F1F00A}"/>
+          <p:cNvPr id="8" name="Picture 7">
+            <a:extLst>
+              <a:ext uri="{FF2B5EF4-FFF2-40B4-BE49-F238E27FC236}">
+                <a16:creationId xmlns:a16="http://schemas.microsoft.com/office/drawing/2014/main" id="{3B5EC1F9-E73F-EC03-D3A5-0973B1235E17}"/>
               </a:ext>
             </a:extLst>
           </p:cNvPr>
@@ -8003,8 +8127,8 @@
         </p:blipFill>
         <p:spPr>
           <a:xfrm>
-            <a:off x="190500" y="1181101"/>
-            <a:ext cx="5771161" cy="5448299"/>
+            <a:off x="169914" y="990600"/>
+            <a:ext cx="5756172" cy="5434148"/>
           </a:xfrm>
           <a:prstGeom prst="rect">
             <a:avLst/>
@@ -8013,10 +8137,10 @@
       </p:pic>
       <p:pic>
         <p:nvPicPr>
-          <p:cNvPr id="8" name="Picture 7">
-            <a:extLst>
-              <a:ext uri="{FF2B5EF4-FFF2-40B4-BE49-F238E27FC236}">
-                <a16:creationId xmlns:a16="http://schemas.microsoft.com/office/drawing/2014/main" id="{DB16172E-9848-4389-3504-4D02F071F218}"/>
+          <p:cNvPr id="10" name="Picture 9">
+            <a:extLst>
+              <a:ext uri="{FF2B5EF4-FFF2-40B4-BE49-F238E27FC236}">
+                <a16:creationId xmlns:a16="http://schemas.microsoft.com/office/drawing/2014/main" id="{14B702DA-E2A4-42BC-3024-7B55FEB3C991}"/>
               </a:ext>
             </a:extLst>
           </p:cNvPr>
@@ -8033,8 +8157,8 @@
         </p:blipFill>
         <p:spPr>
           <a:xfrm>
-            <a:off x="6174458" y="1181100"/>
-            <a:ext cx="5771162" cy="5448300"/>
+            <a:off x="6096000" y="990600"/>
+            <a:ext cx="5756172" cy="5434148"/>
           </a:xfrm>
           <a:prstGeom prst="rect">
             <a:avLst/>
@@ -8044,7 +8168,7 @@
     </p:spTree>
     <p:extLst>
       <p:ext uri="{BB962C8B-B14F-4D97-AF65-F5344CB8AC3E}">
-        <p14:creationId xmlns:p14="http://schemas.microsoft.com/office/powerpoint/2010/main" val="2836304657"/>
+        <p14:creationId xmlns:p14="http://schemas.microsoft.com/office/powerpoint/2010/main" val="2419509016"/>
       </p:ext>
     </p:extLst>
   </p:cSld>
